--- a/rank.pptx
+++ b/rank.pptx
@@ -5,10 +5,10 @@
     <p:sldMasterId id="2147483648" r:id="rId1"/>
   </p:sldMasterIdLst>
   <p:notesMasterIdLst>
-    <p:notesMasterId r:id="rId15"/>
+    <p:notesMasterId r:id="rId14"/>
   </p:notesMasterIdLst>
   <p:handoutMasterIdLst>
-    <p:handoutMasterId r:id="rId16"/>
+    <p:handoutMasterId r:id="rId15"/>
   </p:handoutMasterIdLst>
   <p:sldIdLst>
     <p:sldId id="257" r:id="rId2"/>
@@ -22,8 +22,7 @@
     <p:sldId id="267" r:id="rId10"/>
     <p:sldId id="262" r:id="rId11"/>
     <p:sldId id="263" r:id="rId12"/>
-    <p:sldId id="268" r:id="rId13"/>
-    <p:sldId id="265" r:id="rId14"/>
+    <p:sldId id="265" r:id="rId13"/>
   </p:sldIdLst>
   <p:sldSz cx="12192000" cy="6858000"/>
   <p:notesSz cx="6858000" cy="9144000"/>
@@ -142,7 +141,6 @@
             <p14:sldId id="267"/>
             <p14:sldId id="262"/>
             <p14:sldId id="263"/>
-            <p14:sldId id="268"/>
             <p14:sldId id="265"/>
           </p14:sldIdLst>
         </p14:section>
@@ -5585,94 +5583,6 @@
     </p:spTree>
     <p:extLst>
       <p:ext uri="{BB962C8B-B14F-4D97-AF65-F5344CB8AC3E}">
-        <p14:creationId xmlns:p14="http://schemas.microsoft.com/office/powerpoint/2010/main" val="92738791"/>
-      </p:ext>
-    </p:extLst>
-  </p:cSld>
-  <p:clrMapOvr>
-    <a:masterClrMapping/>
-  </p:clrMapOvr>
-</p:notes>
-</file>
-
-<file path=ppt/notesSlides/notesSlide12.xml><?xml version="1.0" encoding="utf-8"?>
-<p:notes xmlns:a="http://schemas.openxmlformats.org/drawingml/2006/main" xmlns:r="http://schemas.openxmlformats.org/officeDocument/2006/relationships" xmlns:p="http://schemas.openxmlformats.org/presentationml/2006/main">
-  <p:cSld>
-    <p:spTree>
-      <p:nvGrpSpPr>
-        <p:cNvPr id="1" name=""/>
-        <p:cNvGrpSpPr/>
-        <p:nvPr/>
-      </p:nvGrpSpPr>
-      <p:grpSpPr>
-        <a:xfrm>
-          <a:off x="0" y="0"/>
-          <a:ext cx="0" cy="0"/>
-          <a:chOff x="0" y="0"/>
-          <a:chExt cx="0" cy="0"/>
-        </a:xfrm>
-      </p:grpSpPr>
-      <p:sp>
-        <p:nvSpPr>
-          <p:cNvPr id="2" name="幻灯片图像占位符 1"/>
-          <p:cNvSpPr>
-            <a:spLocks noGrp="1" noRot="1" noChangeAspect="1"/>
-          </p:cNvSpPr>
-          <p:nvPr>
-            <p:ph type="sldImg"/>
-          </p:nvPr>
-        </p:nvSpPr>
-        <p:spPr/>
-      </p:sp>
-      <p:sp>
-        <p:nvSpPr>
-          <p:cNvPr id="3" name="备注占位符 2"/>
-          <p:cNvSpPr>
-            <a:spLocks noGrp="1"/>
-          </p:cNvSpPr>
-          <p:nvPr>
-            <p:ph type="body" idx="1"/>
-          </p:nvPr>
-        </p:nvSpPr>
-        <p:spPr/>
-        <p:txBody>
-          <a:bodyPr/>
-          <a:lstStyle/>
-          <a:p>
-            <a:endParaRPr lang="zh-CN" altLang="en-US" dirty="0">
-              <a:latin typeface="Microsoft YaHei UI" panose="020B0503020204020204" pitchFamily="34" charset="-122"/>
-              <a:ea typeface="Microsoft YaHei UI" panose="020B0503020204020204" pitchFamily="34" charset="-122"/>
-            </a:endParaRPr>
-          </a:p>
-        </p:txBody>
-      </p:sp>
-      <p:sp>
-        <p:nvSpPr>
-          <p:cNvPr id="4" name="灯片编号占位符 3"/>
-          <p:cNvSpPr>
-            <a:spLocks noGrp="1"/>
-          </p:cNvSpPr>
-          <p:nvPr>
-            <p:ph type="sldNum" sz="quarter" idx="10"/>
-          </p:nvPr>
-        </p:nvSpPr>
-        <p:spPr/>
-        <p:txBody>
-          <a:bodyPr/>
-          <a:lstStyle/>
-          <a:p>
-            <a:pPr rtl="0"/>
-            <a:fld id="{33DCE8F5-1341-475C-BF40-2E24D91E8058}" type="slidenum">
-              <a:rPr lang="en-US" altLang="zh-CN" smtClean="0"/>
-              <a:t>13</a:t>
-            </a:fld>
-            <a:endParaRPr lang="zh-CN" altLang="en-US" dirty="0"/>
-          </a:p>
-        </p:txBody>
-      </p:sp>
-    </p:spTree>
-    <p:extLst>
-      <p:ext uri="{BB962C8B-B14F-4D97-AF65-F5344CB8AC3E}">
         <p14:creationId xmlns:p14="http://schemas.microsoft.com/office/powerpoint/2010/main" val="2061049015"/>
       </p:ext>
     </p:extLst>
@@ -5729,7 +5639,11 @@
           <a:p>
             <a:r>
               <a:rPr lang="zh-CN" altLang="en-US" dirty="0" smtClean="0"/>
-              <a:t>一般的机器学习 </a:t>
+              <a:t>一般</a:t>
+            </a:r>
+            <a:r>
+              <a:rPr lang="zh-CN" altLang="en-US" dirty="0" smtClean="0"/>
+              <a:t>的机器学习 </a:t>
             </a:r>
             <a:r>
               <a:rPr lang="en-US" altLang="zh-CN" dirty="0" smtClean="0"/>
@@ -5737,7 +5651,73 @@
             </a:r>
             <a:r>
               <a:rPr lang="zh-CN" altLang="en-US" dirty="0" smtClean="0"/>
-              <a:t>学习以排序</a:t>
+              <a:t>学习以</a:t>
+            </a:r>
+            <a:r>
+              <a:rPr lang="zh-CN" altLang="en-US" dirty="0" smtClean="0"/>
+              <a:t>排序</a:t>
+            </a:r>
+            <a:endParaRPr lang="en-US" altLang="zh-CN" dirty="0" smtClean="0"/>
+          </a:p>
+          <a:p>
+            <a:endParaRPr lang="en-US" altLang="zh-CN" dirty="0" smtClean="0"/>
+          </a:p>
+          <a:p>
+            <a:r>
+              <a:rPr lang="zh-CN" altLang="en-US" dirty="0" smtClean="0">
+                <a:latin typeface="Microsoft YaHei UI" panose="020B0503020204020204" pitchFamily="34" charset="-122"/>
+                <a:ea typeface="Microsoft YaHei UI" panose="020B0503020204020204" pitchFamily="34" charset="-122"/>
+              </a:rPr>
+              <a:t>一般机器学习，打分</a:t>
+            </a:r>
+            <a:r>
+              <a:rPr lang="zh-CN" altLang="en-US" baseline="0" dirty="0" smtClean="0">
+                <a:latin typeface="Microsoft YaHei UI" panose="020B0503020204020204" pitchFamily="34" charset="-122"/>
+                <a:ea typeface="Microsoft YaHei UI" panose="020B0503020204020204" pitchFamily="34" charset="-122"/>
+              </a:rPr>
+              <a:t> 永强</a:t>
+            </a:r>
+            <a:r>
+              <a:rPr lang="en-US" altLang="zh-CN" baseline="0" dirty="0" smtClean="0">
+                <a:latin typeface="Microsoft YaHei UI" panose="020B0503020204020204" pitchFamily="34" charset="-122"/>
+                <a:ea typeface="Microsoft YaHei UI" panose="020B0503020204020204" pitchFamily="34" charset="-122"/>
+              </a:rPr>
+              <a:t>4</a:t>
+            </a:r>
+            <a:r>
+              <a:rPr lang="zh-CN" altLang="en-US" baseline="0" dirty="0" smtClean="0">
+                <a:latin typeface="Microsoft YaHei UI" panose="020B0503020204020204" pitchFamily="34" charset="-122"/>
+                <a:ea typeface="Microsoft YaHei UI" panose="020B0503020204020204" pitchFamily="34" charset="-122"/>
+              </a:rPr>
+              <a:t>分 小芳</a:t>
+            </a:r>
+            <a:r>
+              <a:rPr lang="en-US" altLang="zh-CN" baseline="0" dirty="0" smtClean="0">
+                <a:latin typeface="Microsoft YaHei UI" panose="020B0503020204020204" pitchFamily="34" charset="-122"/>
+                <a:ea typeface="Microsoft YaHei UI" panose="020B0503020204020204" pitchFamily="34" charset="-122"/>
+              </a:rPr>
+              <a:t>5</a:t>
+            </a:r>
+            <a:r>
+              <a:rPr lang="zh-CN" altLang="en-US" baseline="0" dirty="0" smtClean="0">
+                <a:latin typeface="Microsoft YaHei UI" panose="020B0503020204020204" pitchFamily="34" charset="-122"/>
+                <a:ea typeface="Microsoft YaHei UI" panose="020B0503020204020204" pitchFamily="34" charset="-122"/>
+              </a:rPr>
+              <a:t>分 小红</a:t>
+            </a:r>
+            <a:r>
+              <a:rPr lang="en-US" altLang="zh-CN" baseline="0" dirty="0" smtClean="0">
+                <a:latin typeface="Microsoft YaHei UI" panose="020B0503020204020204" pitchFamily="34" charset="-122"/>
+                <a:ea typeface="Microsoft YaHei UI" panose="020B0503020204020204" pitchFamily="34" charset="-122"/>
+              </a:rPr>
+              <a:t>7</a:t>
+            </a:r>
+            <a:r>
+              <a:rPr lang="zh-CN" altLang="en-US" baseline="0" dirty="0" smtClean="0">
+                <a:latin typeface="Microsoft YaHei UI" panose="020B0503020204020204" pitchFamily="34" charset="-122"/>
+                <a:ea typeface="Microsoft YaHei UI" panose="020B0503020204020204" pitchFamily="34" charset="-122"/>
+              </a:rPr>
+              <a:t>分</a:t>
             </a:r>
             <a:endParaRPr lang="en-US" altLang="zh-CN" dirty="0" smtClean="0">
               <a:latin typeface="Microsoft YaHei UI" panose="020B0503020204020204" pitchFamily="34" charset="-122"/>
@@ -5745,49 +5725,20 @@
             </a:endParaRPr>
           </a:p>
           <a:p>
+            <a:endParaRPr lang="en-US" altLang="zh-CN" dirty="0" smtClean="0">
+              <a:latin typeface="Microsoft YaHei UI" panose="020B0503020204020204" pitchFamily="34" charset="-122"/>
+              <a:ea typeface="Microsoft YaHei UI" panose="020B0503020204020204" pitchFamily="34" charset="-122"/>
+            </a:endParaRPr>
+          </a:p>
+          <a:p>
             <a:r>
               <a:rPr lang="zh-CN" altLang="en-US" dirty="0" smtClean="0">
                 <a:latin typeface="Microsoft YaHei UI" panose="020B0503020204020204" pitchFamily="34" charset="-122"/>
                 <a:ea typeface="Microsoft YaHei UI" panose="020B0503020204020204" pitchFamily="34" charset="-122"/>
               </a:rPr>
-              <a:t>永强</a:t>
+              <a:t>学习以排序： </a:t>
             </a:r>
-            <a:r>
-              <a:rPr lang="en-US" altLang="zh-CN" dirty="0" smtClean="0">
-                <a:latin typeface="Microsoft YaHei UI" panose="020B0503020204020204" pitchFamily="34" charset="-122"/>
-                <a:ea typeface="Microsoft YaHei UI" panose="020B0503020204020204" pitchFamily="34" charset="-122"/>
-              </a:rPr>
-              <a:t>30 </a:t>
-            </a:r>
-            <a:r>
-              <a:rPr lang="zh-CN" altLang="en-US" dirty="0" smtClean="0">
-                <a:latin typeface="Microsoft YaHei UI" panose="020B0503020204020204" pitchFamily="34" charset="-122"/>
-                <a:ea typeface="Microsoft YaHei UI" panose="020B0503020204020204" pitchFamily="34" charset="-122"/>
-              </a:rPr>
-              <a:t>小芳</a:t>
-            </a:r>
-            <a:r>
-              <a:rPr lang="en-US" altLang="zh-CN" dirty="0" smtClean="0">
-                <a:latin typeface="Microsoft YaHei UI" panose="020B0503020204020204" pitchFamily="34" charset="-122"/>
-                <a:ea typeface="Microsoft YaHei UI" panose="020B0503020204020204" pitchFamily="34" charset="-122"/>
-              </a:rPr>
-              <a:t>40 </a:t>
-            </a:r>
-            <a:r>
-              <a:rPr lang="zh-CN" altLang="en-US" dirty="0" smtClean="0">
-                <a:latin typeface="Microsoft YaHei UI" panose="020B0503020204020204" pitchFamily="34" charset="-122"/>
-                <a:ea typeface="Microsoft YaHei UI" panose="020B0503020204020204" pitchFamily="34" charset="-122"/>
-              </a:rPr>
-              <a:t>小红</a:t>
-            </a:r>
-            <a:r>
-              <a:rPr lang="en-US" altLang="zh-CN" dirty="0" smtClean="0">
-                <a:latin typeface="Microsoft YaHei UI" panose="020B0503020204020204" pitchFamily="34" charset="-122"/>
-                <a:ea typeface="Microsoft YaHei UI" panose="020B0503020204020204" pitchFamily="34" charset="-122"/>
-              </a:rPr>
-              <a:t>80</a:t>
-            </a:r>
-            <a:endParaRPr lang="zh-CN" altLang="en-US" dirty="0">
+            <a:endParaRPr lang="en-US" altLang="zh-CN" dirty="0" smtClean="0">
               <a:latin typeface="Microsoft YaHei UI" panose="020B0503020204020204" pitchFamily="34" charset="-122"/>
               <a:ea typeface="Microsoft YaHei UI" panose="020B0503020204020204" pitchFamily="34" charset="-122"/>
             </a:endParaRPr>
@@ -12437,7 +12388,7 @@
                 <a16:creationId xmlns:a16="http://schemas.microsoft.com/office/drawing/2014/main" id="{25C384BA-0032-4FE7-AC29-2F9F931970D5}"/>
               </a:ext>
               <a:ext uri="{C183D7F6-B498-43B3-948B-1728B52AA6E4}">
-                <adec:decorative xmlns="" xmlns:adec="http://schemas.microsoft.com/office/drawing/2017/decorative" val="1"/>
+                <adec:decorative xmlns:adec="http://schemas.microsoft.com/office/drawing/2017/decorative" xmlns="" val="1"/>
               </a:ext>
             </a:extLst>
           </p:cNvPr>
@@ -14327,7 +14278,7 @@
                 <a16:creationId xmlns:a16="http://schemas.microsoft.com/office/drawing/2014/main" id="{B029E30A-660C-4C6A-8C17-E7A3B2E1C4BD}"/>
               </a:ext>
               <a:ext uri="{C183D7F6-B498-43B3-948B-1728B52AA6E4}">
-                <adec:decorative xmlns="" xmlns:adec="http://schemas.microsoft.com/office/drawing/2017/decorative" val="1"/>
+                <adec:decorative xmlns:adec="http://schemas.microsoft.com/office/drawing/2017/decorative" xmlns="" val="1"/>
               </a:ext>
             </a:extLst>
           </p:cNvPr>
@@ -14499,6 +14450,14 @@
                 </a:solidFill>
               </a:rPr>
               <a:t>老王</a:t>
+            </a:r>
+            <a:r>
+              <a:rPr lang="en-US" altLang="zh-CN" sz="3600" b="1" noProof="1">
+                <a:solidFill>
+                  <a:schemeClr val="bg2"/>
+                </a:solidFill>
+              </a:rPr>
+              <a:t>*</a:t>
             </a:r>
             <a:endParaRPr lang="en-US" altLang="zh-CN" sz="3600" b="1" noProof="1" smtClean="0">
               <a:solidFill>
@@ -16066,10 +16025,10 @@
       </p:grpSpPr>
       <p:sp>
         <p:nvSpPr>
-          <p:cNvPr id="2" name="标题 1">
+          <p:cNvPr id="3" name="标题 2">
             <a:extLst>
               <a:ext uri="{FF2B5EF4-FFF2-40B4-BE49-F238E27FC236}">
-                <a16:creationId xmlns:a16="http://schemas.microsoft.com/office/drawing/2014/main" id="{A4CA33D0-A2F5-49D6-833F-C677390546EB}"/>
+                <a16:creationId xmlns:a16="http://schemas.microsoft.com/office/drawing/2014/main" id="{209C8CAF-97DF-4086-B081-EAFD83FAC05C}"/>
               </a:ext>
             </a:extLst>
           </p:cNvPr>
@@ -16077,20 +16036,42 @@
             <a:spLocks noGrp="1"/>
           </p:cNvSpPr>
           <p:nvPr>
-            <p:ph type="title"/>
+            <p:ph type="ctrTitle"/>
           </p:nvPr>
         </p:nvSpPr>
         <p:spPr>
           <a:xfrm>
-            <a:off x="806049" y="1064757"/>
-            <a:ext cx="11473200" cy="1834560"/>
+            <a:off x="814539" y="2068422"/>
+            <a:ext cx="7006235" cy="2540802"/>
           </a:xfrm>
         </p:spPr>
         <p:txBody>
           <a:bodyPr rtlCol="0"/>
           <a:lstStyle/>
           <a:p>
-            <a:pPr rtl="0"/>
+            <a:r>
+              <a:rPr lang="zh-CN" altLang="en-US" sz="4400" dirty="0" smtClean="0"/>
+              <a:t>祝大家蛮多情况下都可以</a:t>
+            </a:r>
+            <a:r>
+              <a:rPr lang="en-US" altLang="zh-CN" sz="4400" smtClean="0"/>
+              <a:t/>
+            </a:r>
+            <a:br>
+              <a:rPr lang="en-US" altLang="zh-CN" sz="4400" smtClean="0"/>
+            </a:br>
+            <a:r>
+              <a:rPr lang="en-US" altLang="zh-CN" sz="4400"/>
+              <a:t> </a:t>
+            </a:r>
+            <a:r>
+              <a:rPr lang="en-US" altLang="zh-CN" sz="4400" smtClean="0"/>
+              <a:t>   </a:t>
+            </a:r>
+            <a:r>
+              <a:rPr lang="zh-CN" altLang="en-US" sz="4400" smtClean="0"/>
+              <a:t>学习以排序</a:t>
+            </a:r>
             <a:r>
               <a:rPr lang="en-US" altLang="zh-CN" dirty="0" smtClean="0"/>
               <a:t/>
@@ -16106,136 +16087,18 @@
               <a:rPr lang="en-US" altLang="zh-CN" dirty="0"/>
             </a:br>
             <a:r>
-              <a:rPr lang="zh-CN" altLang="en-US" dirty="0" smtClean="0"/>
-              <a:t>学习、学会排序</a:t>
-            </a:r>
-            <a:r>
-              <a:rPr lang="en-US" altLang="zh-CN" dirty="0" smtClean="0"/>
+              <a:rPr lang="en-US" altLang="zh-CN" dirty="0" smtClean="0">
+                <a:latin typeface="Microsoft YaHei UI" panose="020B0503020204020204" pitchFamily="34" charset="-122"/>
+                <a:ea typeface="Microsoft YaHei UI" panose="020B0503020204020204" pitchFamily="34" charset="-122"/>
+              </a:rPr>
               <a:t/>
             </a:r>
             <a:br>
-              <a:rPr lang="en-US" altLang="zh-CN" dirty="0" smtClean="0"/>
-            </a:br>
-            <a:endParaRPr lang="zh-CN" altLang="en-US" dirty="0">
-              <a:latin typeface="Microsoft YaHei UI" panose="020B0503020204020204" pitchFamily="34" charset="-122"/>
-              <a:ea typeface="Microsoft YaHei UI" panose="020B0503020204020204" pitchFamily="34" charset="-122"/>
-            </a:endParaRPr>
-          </a:p>
-        </p:txBody>
-      </p:sp>
-      <p:sp>
-        <p:nvSpPr>
-          <p:cNvPr id="4" name="灯片编号占位符 3">
-            <a:extLst>
-              <a:ext uri="{FF2B5EF4-FFF2-40B4-BE49-F238E27FC236}">
-                <a16:creationId xmlns:a16="http://schemas.microsoft.com/office/drawing/2014/main" id="{903996C0-0A7C-4905-8FD4-EC23739737EE}"/>
-              </a:ext>
-            </a:extLst>
-          </p:cNvPr>
-          <p:cNvSpPr>
-            <a:spLocks noGrp="1"/>
-          </p:cNvSpPr>
-          <p:nvPr>
-            <p:ph type="sldNum" sz="quarter" idx="14"/>
-          </p:nvPr>
-        </p:nvSpPr>
-        <p:spPr>
-          <a:gradFill flip="none" rotWithShape="1">
-            <a:gsLst>
-              <a:gs pos="0">
-                <a:schemeClr val="accent2">
-                  <a:lumMod val="75000"/>
-                  <a:shade val="30000"/>
-                  <a:satMod val="115000"/>
-                </a:schemeClr>
-              </a:gs>
-              <a:gs pos="47000">
-                <a:schemeClr val="accent2">
-                  <a:lumMod val="75000"/>
-                  <a:shade val="67500"/>
-                  <a:satMod val="115000"/>
-                </a:schemeClr>
-              </a:gs>
-              <a:gs pos="100000">
-                <a:schemeClr val="accent1"/>
-              </a:gs>
-            </a:gsLst>
-            <a:lin ang="10800000" scaled="0"/>
-            <a:tileRect/>
-          </a:gradFill>
-        </p:spPr>
-        <p:txBody>
-          <a:bodyPr rtlCol="0"/>
-          <a:lstStyle/>
-          <a:p>
-            <a:pPr rtl="0"/>
-            <a:fld id="{058DB212-BFA2-403F-85EF-DFD3FF6D973A}" type="slidenum">
-              <a:rPr lang="en-US" altLang="zh-CN" smtClean="0">
+              <a:rPr lang="en-US" altLang="zh-CN" dirty="0" smtClean="0">
                 <a:latin typeface="Microsoft YaHei UI" panose="020B0503020204020204" pitchFamily="34" charset="-122"/>
                 <a:ea typeface="Microsoft YaHei UI" panose="020B0503020204020204" pitchFamily="34" charset="-122"/>
               </a:rPr>
-              <a:pPr rtl="0"/>
-              <a:t>12</a:t>
-            </a:fld>
-            <a:endParaRPr lang="zh-CN" altLang="en-US" dirty="0">
-              <a:latin typeface="Microsoft YaHei UI" panose="020B0503020204020204" pitchFamily="34" charset="-122"/>
-              <a:ea typeface="Microsoft YaHei UI" panose="020B0503020204020204" pitchFamily="34" charset="-122"/>
-            </a:endParaRPr>
-          </a:p>
-        </p:txBody>
-      </p:sp>
-    </p:spTree>
-    <p:extLst>
-      <p:ext uri="{BB962C8B-B14F-4D97-AF65-F5344CB8AC3E}">
-        <p14:creationId xmlns:p14="http://schemas.microsoft.com/office/powerpoint/2010/main" val="2982317140"/>
-      </p:ext>
-    </p:extLst>
-  </p:cSld>
-  <p:clrMapOvr>
-    <a:masterClrMapping/>
-  </p:clrMapOvr>
-</p:sld>
-</file>
-
-<file path=ppt/slides/slide13.xml><?xml version="1.0" encoding="utf-8"?>
-<p:sld xmlns:a="http://schemas.openxmlformats.org/drawingml/2006/main" xmlns:r="http://schemas.openxmlformats.org/officeDocument/2006/relationships" xmlns:p="http://schemas.openxmlformats.org/presentationml/2006/main">
-  <p:cSld>
-    <p:spTree>
-      <p:nvGrpSpPr>
-        <p:cNvPr id="1" name=""/>
-        <p:cNvGrpSpPr/>
-        <p:nvPr/>
-      </p:nvGrpSpPr>
-      <p:grpSpPr>
-        <a:xfrm>
-          <a:off x="0" y="0"/>
-          <a:ext cx="0" cy="0"/>
-          <a:chOff x="0" y="0"/>
-          <a:chExt cx="0" cy="0"/>
-        </a:xfrm>
-      </p:grpSpPr>
-      <p:sp>
-        <p:nvSpPr>
-          <p:cNvPr id="3" name="标题 2">
-            <a:extLst>
-              <a:ext uri="{FF2B5EF4-FFF2-40B4-BE49-F238E27FC236}">
-                <a16:creationId xmlns:a16="http://schemas.microsoft.com/office/drawing/2014/main" id="{209C8CAF-97DF-4086-B081-EAFD83FAC05C}"/>
-              </a:ext>
-            </a:extLst>
-          </p:cNvPr>
-          <p:cNvSpPr>
-            <a:spLocks noGrp="1"/>
-          </p:cNvSpPr>
-          <p:nvPr>
-            <p:ph type="ctrTitle"/>
-          </p:nvPr>
-        </p:nvSpPr>
-        <p:spPr/>
-        <p:txBody>
-          <a:bodyPr rtlCol="0"/>
-          <a:lstStyle/>
-          <a:p>
-            <a:pPr rtl="0"/>
+            </a:br>
             <a:r>
               <a:rPr lang="zh-CN" altLang="en-US" dirty="0" smtClean="0">
                 <a:latin typeface="Microsoft YaHei UI" panose="020B0503020204020204" pitchFamily="34" charset="-122"/>
@@ -16258,7 +16121,7 @@
                 <a16:creationId xmlns:a16="http://schemas.microsoft.com/office/drawing/2014/main" id="{F0F12597-AABE-455F-AE27-B788519B2040}"/>
               </a:ext>
               <a:ext uri="{C183D7F6-B498-43B3-948B-1728B52AA6E4}">
-                <adec:decorative xmlns="" xmlns:adec="http://schemas.microsoft.com/office/drawing/2017/decorative" val="1"/>
+                <adec:decorative xmlns:adec="http://schemas.microsoft.com/office/drawing/2017/decorative" xmlns="" val="1"/>
               </a:ext>
             </a:extLst>
           </p:cNvPr>
@@ -18241,7 +18104,7 @@
                 <a16:creationId xmlns:a16="http://schemas.microsoft.com/office/drawing/2014/main" id="{61DCE69A-183E-4D92-928A-CEE76B9E5241}"/>
               </a:ext>
               <a:ext uri="{C183D7F6-B498-43B3-948B-1728B52AA6E4}">
-                <adec:decorative xmlns="" xmlns:adec="http://schemas.microsoft.com/office/drawing/2017/decorative" val="1"/>
+                <adec:decorative xmlns:adec="http://schemas.microsoft.com/office/drawing/2017/decorative" xmlns="" val="1"/>
               </a:ext>
             </a:extLst>
           </p:cNvPr>
@@ -18373,11 +18236,7 @@
             <a:pPr rtl="0"/>
             <a:r>
               <a:rPr lang="zh-CN" altLang="en-US" dirty="0" smtClean="0"/>
-              <a:t>学习以</a:t>
-            </a:r>
-            <a:r>
-              <a:rPr lang="zh-CN" altLang="en-US" dirty="0" smtClean="0"/>
-              <a:t>排序</a:t>
+              <a:t>学习以排序</a:t>
             </a:r>
             <a:r>
               <a:rPr lang="en-US" altLang="zh-CN" dirty="0" smtClean="0"/>
@@ -18552,7 +18411,6 @@
               <a:rPr lang="en-US" altLang="zh-CN" dirty="0" smtClean="0"/>
               <a:t>	</a:t>
             </a:r>
-            <a:endParaRPr lang="en-US" altLang="zh-CN" dirty="0" smtClean="0"/>
           </a:p>
           <a:p>
             <a:pPr marL="0" indent="0" rtl="0">
@@ -18626,11 +18484,7 @@
             </a:r>
             <a:r>
               <a:rPr lang="en-US" altLang="zh-CN" dirty="0" err="1" smtClean="0"/>
-              <a:t>P</a:t>
-            </a:r>
-            <a:r>
-              <a:rPr lang="en-US" altLang="zh-CN" dirty="0" err="1" smtClean="0"/>
-              <a:t>yTorch</a:t>
+              <a:t>PyTorch</a:t>
             </a:r>
             <a:r>
               <a:rPr lang="zh-CN" altLang="en-US" dirty="0"/>
@@ -19616,7 +19470,7 @@
                 <a16:creationId xmlns:a16="http://schemas.microsoft.com/office/drawing/2014/main" id="{4B51536B-93ED-432A-BBEA-AF185E2233AE}"/>
               </a:ext>
               <a:ext uri="{C183D7F6-B498-43B3-948B-1728B52AA6E4}">
-                <adec:decorative xmlns="" xmlns:adec="http://schemas.microsoft.com/office/drawing/2017/decorative" val="1"/>
+                <adec:decorative xmlns:adec="http://schemas.microsoft.com/office/drawing/2017/decorative" xmlns="" val="1"/>
               </a:ext>
             </a:extLst>
           </p:cNvPr>
@@ -21841,7 +21695,7 @@
                 <a16:creationId xmlns:a16="http://schemas.microsoft.com/office/drawing/2014/main" id="{6630A4D5-EDA4-4984-9340-20504F53AE7B}"/>
               </a:ext>
               <a:ext uri="{C183D7F6-B498-43B3-948B-1728B52AA6E4}">
-                <adec:decorative xmlns="" xmlns:adec="http://schemas.microsoft.com/office/drawing/2017/decorative" val="1"/>
+                <adec:decorative xmlns:adec="http://schemas.microsoft.com/office/drawing/2017/decorative" xmlns="" val="1"/>
               </a:ext>
             </a:extLst>
           </p:cNvPr>
@@ -22113,7 +21967,7 @@
                 <a16:creationId xmlns:a16="http://schemas.microsoft.com/office/drawing/2014/main" id="{7D64EECE-959D-459E-BAFC-4E6C13A0DE32}"/>
               </a:ext>
               <a:ext uri="{C183D7F6-B498-43B3-948B-1728B52AA6E4}">
-                <adec:decorative xmlns="" xmlns:adec="http://schemas.microsoft.com/office/drawing/2017/decorative" val="1"/>
+                <adec:decorative xmlns:adec="http://schemas.microsoft.com/office/drawing/2017/decorative" xmlns="" val="1"/>
               </a:ext>
             </a:extLst>
           </p:cNvPr>
@@ -22493,7 +22347,7 @@
                   <a16:creationId xmlns:a16="http://schemas.microsoft.com/office/drawing/2014/main" id="{ACD1BF27-2213-45CE-A667-788F7924C22E}"/>
                 </a:ext>
                 <a:ext uri="{C183D7F6-B498-43B3-948B-1728B52AA6E4}">
-                  <adec:decorative xmlns="" xmlns:adec="http://schemas.microsoft.com/office/drawing/2017/decorative" val="1"/>
+                  <adec:decorative xmlns:adec="http://schemas.microsoft.com/office/drawing/2017/decorative" xmlns="" val="1"/>
                 </a:ext>
               </a:extLst>
             </p:cNvPr>
@@ -22554,7 +22408,7 @@
                   <a16:creationId xmlns:a16="http://schemas.microsoft.com/office/drawing/2014/main" id="{54F87B6B-A885-4EEB-8E55-6E1DA1BD0EA8}"/>
                 </a:ext>
                 <a:ext uri="{C183D7F6-B498-43B3-948B-1728B52AA6E4}">
-                  <adec:decorative xmlns="" xmlns:adec="http://schemas.microsoft.com/office/drawing/2017/decorative" val="1"/>
+                  <adec:decorative xmlns:adec="http://schemas.microsoft.com/office/drawing/2017/decorative" xmlns="" val="1"/>
                 </a:ext>
               </a:extLst>
             </p:cNvPr>
@@ -22615,7 +22469,7 @@
                   <a16:creationId xmlns:a16="http://schemas.microsoft.com/office/drawing/2014/main" id="{EB4B2BC6-FC0E-4408-9491-47D196A52DE9}"/>
                 </a:ext>
                 <a:ext uri="{C183D7F6-B498-43B3-948B-1728B52AA6E4}">
-                  <adec:decorative xmlns="" xmlns:adec="http://schemas.microsoft.com/office/drawing/2017/decorative" val="1"/>
+                  <adec:decorative xmlns:adec="http://schemas.microsoft.com/office/drawing/2017/decorative" xmlns="" val="1"/>
                 </a:ext>
               </a:extLst>
             </p:cNvPr>
@@ -23329,7 +23183,7 @@
                 <a16:creationId xmlns:a16="http://schemas.microsoft.com/office/drawing/2014/main" id="{7D64EECE-959D-459E-BAFC-4E6C13A0DE32}"/>
               </a:ext>
               <a:ext uri="{C183D7F6-B498-43B3-948B-1728B52AA6E4}">
-                <adec:decorative xmlns="" xmlns:adec="http://schemas.microsoft.com/office/drawing/2017/decorative" val="1"/>
+                <adec:decorative xmlns:adec="http://schemas.microsoft.com/office/drawing/2017/decorative" xmlns="" val="1"/>
               </a:ext>
             </a:extLst>
           </p:cNvPr>
@@ -23509,7 +23363,7 @@
                   <a16:creationId xmlns:a16="http://schemas.microsoft.com/office/drawing/2014/main" id="{ACD1BF27-2213-45CE-A667-788F7924C22E}"/>
                 </a:ext>
                 <a:ext uri="{C183D7F6-B498-43B3-948B-1728B52AA6E4}">
-                  <adec:decorative xmlns="" xmlns:adec="http://schemas.microsoft.com/office/drawing/2017/decorative" val="1"/>
+                  <adec:decorative xmlns:adec="http://schemas.microsoft.com/office/drawing/2017/decorative" xmlns="" val="1"/>
                 </a:ext>
               </a:extLst>
             </p:cNvPr>
@@ -23570,7 +23424,7 @@
                   <a16:creationId xmlns:a16="http://schemas.microsoft.com/office/drawing/2014/main" id="{54F87B6B-A885-4EEB-8E55-6E1DA1BD0EA8}"/>
                 </a:ext>
                 <a:ext uri="{C183D7F6-B498-43B3-948B-1728B52AA6E4}">
-                  <adec:decorative xmlns="" xmlns:adec="http://schemas.microsoft.com/office/drawing/2017/decorative" val="1"/>
+                  <adec:decorative xmlns:adec="http://schemas.microsoft.com/office/drawing/2017/decorative" xmlns="" val="1"/>
                 </a:ext>
               </a:extLst>
             </p:cNvPr>
@@ -23631,7 +23485,7 @@
                   <a16:creationId xmlns:a16="http://schemas.microsoft.com/office/drawing/2014/main" id="{EB4B2BC6-FC0E-4408-9491-47D196A52DE9}"/>
                 </a:ext>
                 <a:ext uri="{C183D7F6-B498-43B3-948B-1728B52AA6E4}">
-                  <adec:decorative xmlns="" xmlns:adec="http://schemas.microsoft.com/office/drawing/2017/decorative" val="1"/>
+                  <adec:decorative xmlns:adec="http://schemas.microsoft.com/office/drawing/2017/decorative" xmlns="" val="1"/>
                 </a:ext>
               </a:extLst>
             </p:cNvPr>
@@ -23905,7 +23759,7 @@
                 <a16:creationId xmlns:a16="http://schemas.microsoft.com/office/drawing/2014/main" id="{7D64EECE-959D-459E-BAFC-4E6C13A0DE32}"/>
               </a:ext>
               <a:ext uri="{C183D7F6-B498-43B3-948B-1728B52AA6E4}">
-                <adec:decorative xmlns="" xmlns:adec="http://schemas.microsoft.com/office/drawing/2017/decorative" val="1"/>
+                <adec:decorative xmlns:adec="http://schemas.microsoft.com/office/drawing/2017/decorative" xmlns="" val="1"/>
               </a:ext>
             </a:extLst>
           </p:cNvPr>
@@ -24085,7 +23939,7 @@
                   <a16:creationId xmlns:a16="http://schemas.microsoft.com/office/drawing/2014/main" id="{ACD1BF27-2213-45CE-A667-788F7924C22E}"/>
                 </a:ext>
                 <a:ext uri="{C183D7F6-B498-43B3-948B-1728B52AA6E4}">
-                  <adec:decorative xmlns="" xmlns:adec="http://schemas.microsoft.com/office/drawing/2017/decorative" val="1"/>
+                  <adec:decorative xmlns:adec="http://schemas.microsoft.com/office/drawing/2017/decorative" xmlns="" val="1"/>
                 </a:ext>
               </a:extLst>
             </p:cNvPr>
@@ -24146,7 +24000,7 @@
                   <a16:creationId xmlns:a16="http://schemas.microsoft.com/office/drawing/2014/main" id="{54F87B6B-A885-4EEB-8E55-6E1DA1BD0EA8}"/>
                 </a:ext>
                 <a:ext uri="{C183D7F6-B498-43B3-948B-1728B52AA6E4}">
-                  <adec:decorative xmlns="" xmlns:adec="http://schemas.microsoft.com/office/drawing/2017/decorative" val="1"/>
+                  <adec:decorative xmlns:adec="http://schemas.microsoft.com/office/drawing/2017/decorative" xmlns="" val="1"/>
                 </a:ext>
               </a:extLst>
             </p:cNvPr>
@@ -24207,7 +24061,7 @@
                   <a16:creationId xmlns:a16="http://schemas.microsoft.com/office/drawing/2014/main" id="{EB4B2BC6-FC0E-4408-9491-47D196A52DE9}"/>
                 </a:ext>
                 <a:ext uri="{C183D7F6-B498-43B3-948B-1728B52AA6E4}">
-                  <adec:decorative xmlns="" xmlns:adec="http://schemas.microsoft.com/office/drawing/2017/decorative" val="1"/>
+                  <adec:decorative xmlns:adec="http://schemas.microsoft.com/office/drawing/2017/decorative" xmlns="" val="1"/>
                 </a:ext>
               </a:extLst>
             </p:cNvPr>

--- a/rank.pptx
+++ b/rank.pptx
@@ -4855,7 +4855,7 @@
                 <a:latin typeface="Microsoft YaHei UI" panose="020B0503020204020204" pitchFamily="34" charset="-122"/>
                 <a:ea typeface="Microsoft YaHei UI" panose="020B0503020204020204" pitchFamily="34" charset="-122"/>
               </a:rPr>
-              <a:t>2020/9/17</a:t>
+              <a:t>2020/9/18</a:t>
             </a:fld>
             <a:endParaRPr lang="zh-CN" altLang="en-US" dirty="0">
               <a:latin typeface="Microsoft YaHei UI" panose="020B0503020204020204" pitchFamily="34" charset="-122"/>
@@ -5053,7 +5053,7 @@
           <a:p>
             <a:fld id="{06782BD9-16C3-4527-A197-E7036F4DDD09}" type="datetime1">
               <a:rPr lang="zh-CN" altLang="en-US" noProof="0" smtClean="0"/>
-              <a:t>2020/9/17</a:t>
+              <a:t>2020/9/18</a:t>
             </a:fld>
             <a:endParaRPr lang="zh-CN" altLang="en-US" noProof="0" dirty="0"/>
           </a:p>
@@ -5639,11 +5639,7 @@
           <a:p>
             <a:r>
               <a:rPr lang="zh-CN" altLang="en-US" dirty="0" smtClean="0"/>
-              <a:t>一般</a:t>
-            </a:r>
-            <a:r>
-              <a:rPr lang="zh-CN" altLang="en-US" dirty="0" smtClean="0"/>
-              <a:t>的机器学习 </a:t>
+              <a:t>一般的机器学习 </a:t>
             </a:r>
             <a:r>
               <a:rPr lang="en-US" altLang="zh-CN" dirty="0" smtClean="0"/>
@@ -5651,11 +5647,7 @@
             </a:r>
             <a:r>
               <a:rPr lang="zh-CN" altLang="en-US" dirty="0" smtClean="0"/>
-              <a:t>学习以</a:t>
-            </a:r>
-            <a:r>
-              <a:rPr lang="zh-CN" altLang="en-US" dirty="0" smtClean="0"/>
-              <a:t>排序</a:t>
+              <a:t>学习以排序</a:t>
             </a:r>
             <a:endParaRPr lang="en-US" altLang="zh-CN" dirty="0" smtClean="0"/>
           </a:p>
@@ -5675,7 +5667,33 @@
                 <a:latin typeface="Microsoft YaHei UI" panose="020B0503020204020204" pitchFamily="34" charset="-122"/>
                 <a:ea typeface="Microsoft YaHei UI" panose="020B0503020204020204" pitchFamily="34" charset="-122"/>
               </a:rPr>
-              <a:t> 永强</a:t>
+              <a:t> </a:t>
+            </a:r>
+            <a:endParaRPr lang="en-US" altLang="zh-CN" baseline="0" dirty="0" smtClean="0">
+              <a:latin typeface="Microsoft YaHei UI" panose="020B0503020204020204" pitchFamily="34" charset="-122"/>
+              <a:ea typeface="Microsoft YaHei UI" panose="020B0503020204020204" pitchFamily="34" charset="-122"/>
+            </a:endParaRPr>
+          </a:p>
+          <a:p>
+            <a:endParaRPr lang="en-US" altLang="zh-CN" baseline="0" dirty="0" smtClean="0">
+              <a:latin typeface="Microsoft YaHei UI" panose="020B0503020204020204" pitchFamily="34" charset="-122"/>
+              <a:ea typeface="Microsoft YaHei UI" panose="020B0503020204020204" pitchFamily="34" charset="-122"/>
+            </a:endParaRPr>
+          </a:p>
+          <a:p>
+            <a:r>
+              <a:rPr lang="en-US" altLang="zh-CN" baseline="0" dirty="0" smtClean="0">
+                <a:latin typeface="Microsoft YaHei UI" panose="020B0503020204020204" pitchFamily="34" charset="-122"/>
+                <a:ea typeface="Microsoft YaHei UI" panose="020B0503020204020204" pitchFamily="34" charset="-122"/>
+              </a:rPr>
+              <a:t>1</a:t>
+            </a:r>
+            <a:r>
+              <a:rPr lang="zh-CN" altLang="en-US" baseline="0" dirty="0" smtClean="0">
+                <a:latin typeface="Microsoft YaHei UI" panose="020B0503020204020204" pitchFamily="34" charset="-122"/>
+                <a:ea typeface="Microsoft YaHei UI" panose="020B0503020204020204" pitchFamily="34" charset="-122"/>
+              </a:rPr>
+              <a:t>号</a:t>
             </a:r>
             <a:r>
               <a:rPr lang="en-US" altLang="zh-CN" baseline="0" dirty="0" smtClean="0">
@@ -5689,7 +5707,21 @@
                 <a:latin typeface="Microsoft YaHei UI" panose="020B0503020204020204" pitchFamily="34" charset="-122"/>
                 <a:ea typeface="Microsoft YaHei UI" panose="020B0503020204020204" pitchFamily="34" charset="-122"/>
               </a:rPr>
-              <a:t>分 小芳</a:t>
+              <a:t>分 </a:t>
+            </a:r>
+            <a:r>
+              <a:rPr lang="en-US" altLang="zh-CN" baseline="0" dirty="0" smtClean="0">
+                <a:latin typeface="Microsoft YaHei UI" panose="020B0503020204020204" pitchFamily="34" charset="-122"/>
+                <a:ea typeface="Microsoft YaHei UI" panose="020B0503020204020204" pitchFamily="34" charset="-122"/>
+              </a:rPr>
+              <a:t>2</a:t>
+            </a:r>
+            <a:r>
+              <a:rPr lang="zh-CN" altLang="en-US" baseline="0" dirty="0" smtClean="0">
+                <a:latin typeface="Microsoft YaHei UI" panose="020B0503020204020204" pitchFamily="34" charset="-122"/>
+                <a:ea typeface="Microsoft YaHei UI" panose="020B0503020204020204" pitchFamily="34" charset="-122"/>
+              </a:rPr>
+              <a:t>号</a:t>
             </a:r>
             <a:r>
               <a:rPr lang="en-US" altLang="zh-CN" baseline="0" dirty="0" smtClean="0">
@@ -5703,7 +5735,21 @@
                 <a:latin typeface="Microsoft YaHei UI" panose="020B0503020204020204" pitchFamily="34" charset="-122"/>
                 <a:ea typeface="Microsoft YaHei UI" panose="020B0503020204020204" pitchFamily="34" charset="-122"/>
               </a:rPr>
-              <a:t>分 小红</a:t>
+              <a:t>分 </a:t>
+            </a:r>
+            <a:r>
+              <a:rPr lang="en-US" altLang="zh-CN" baseline="0" dirty="0" smtClean="0">
+                <a:latin typeface="Microsoft YaHei UI" panose="020B0503020204020204" pitchFamily="34" charset="-122"/>
+                <a:ea typeface="Microsoft YaHei UI" panose="020B0503020204020204" pitchFamily="34" charset="-122"/>
+              </a:rPr>
+              <a:t>3</a:t>
+            </a:r>
+            <a:r>
+              <a:rPr lang="zh-CN" altLang="en-US" baseline="0" dirty="0" smtClean="0">
+                <a:latin typeface="Microsoft YaHei UI" panose="020B0503020204020204" pitchFamily="34" charset="-122"/>
+                <a:ea typeface="Microsoft YaHei UI" panose="020B0503020204020204" pitchFamily="34" charset="-122"/>
+              </a:rPr>
+              <a:t>号</a:t>
             </a:r>
             <a:r>
               <a:rPr lang="en-US" altLang="zh-CN" baseline="0" dirty="0" smtClean="0">
@@ -5736,7 +5782,92 @@
                 <a:latin typeface="Microsoft YaHei UI" panose="020B0503020204020204" pitchFamily="34" charset="-122"/>
                 <a:ea typeface="Microsoft YaHei UI" panose="020B0503020204020204" pitchFamily="34" charset="-122"/>
               </a:rPr>
+              <a:t>问题：</a:t>
+            </a:r>
+            <a:endParaRPr lang="en-US" altLang="zh-CN" dirty="0" smtClean="0">
+              <a:latin typeface="Microsoft YaHei UI" panose="020B0503020204020204" pitchFamily="34" charset="-122"/>
+              <a:ea typeface="Microsoft YaHei UI" panose="020B0503020204020204" pitchFamily="34" charset="-122"/>
+            </a:endParaRPr>
+          </a:p>
+          <a:p>
+            <a:endParaRPr lang="en-US" altLang="zh-CN" dirty="0" smtClean="0">
+              <a:latin typeface="Microsoft YaHei UI" panose="020B0503020204020204" pitchFamily="34" charset="-122"/>
+              <a:ea typeface="Microsoft YaHei UI" panose="020B0503020204020204" pitchFamily="34" charset="-122"/>
+            </a:endParaRPr>
+          </a:p>
+          <a:p>
+            <a:r>
+              <a:rPr lang="zh-CN" altLang="en-US" dirty="0" smtClean="0">
+                <a:latin typeface="Microsoft YaHei UI" panose="020B0503020204020204" pitchFamily="34" charset="-122"/>
+                <a:ea typeface="Microsoft YaHei UI" panose="020B0503020204020204" pitchFamily="34" charset="-122"/>
+              </a:rPr>
               <a:t>学习以排序： </a:t>
+            </a:r>
+            <a:endParaRPr lang="en-US" altLang="zh-CN" dirty="0" smtClean="0">
+              <a:latin typeface="Microsoft YaHei UI" panose="020B0503020204020204" pitchFamily="34" charset="-122"/>
+              <a:ea typeface="Microsoft YaHei UI" panose="020B0503020204020204" pitchFamily="34" charset="-122"/>
+            </a:endParaRPr>
+          </a:p>
+          <a:p>
+            <a:endParaRPr lang="en-US" altLang="zh-CN" dirty="0" smtClean="0">
+              <a:latin typeface="Microsoft YaHei UI" panose="020B0503020204020204" pitchFamily="34" charset="-122"/>
+              <a:ea typeface="Microsoft YaHei UI" panose="020B0503020204020204" pitchFamily="34" charset="-122"/>
+            </a:endParaRPr>
+          </a:p>
+          <a:p>
+            <a:r>
+              <a:rPr lang="en-US" altLang="zh-CN" dirty="0" smtClean="0">
+                <a:latin typeface="Microsoft YaHei UI" panose="020B0503020204020204" pitchFamily="34" charset="-122"/>
+                <a:ea typeface="Microsoft YaHei UI" panose="020B0503020204020204" pitchFamily="34" charset="-122"/>
+              </a:rPr>
+              <a:t>9</a:t>
+            </a:r>
+            <a:r>
+              <a:rPr lang="zh-CN" altLang="en-US" dirty="0" smtClean="0">
+                <a:latin typeface="Microsoft YaHei UI" panose="020B0503020204020204" pitchFamily="34" charset="-122"/>
+                <a:ea typeface="Microsoft YaHei UI" panose="020B0503020204020204" pitchFamily="34" charset="-122"/>
+              </a:rPr>
+              <a:t>月</a:t>
+            </a:r>
+            <a:endParaRPr lang="en-US" altLang="zh-CN" dirty="0" smtClean="0">
+              <a:latin typeface="Microsoft YaHei UI" panose="020B0503020204020204" pitchFamily="34" charset="-122"/>
+              <a:ea typeface="Microsoft YaHei UI" panose="020B0503020204020204" pitchFamily="34" charset="-122"/>
+            </a:endParaRPr>
+          </a:p>
+          <a:p>
+            <a:r>
+              <a:rPr lang="en-US" altLang="zh-CN" dirty="0" smtClean="0">
+                <a:latin typeface="Microsoft YaHei UI" panose="020B0503020204020204" pitchFamily="34" charset="-122"/>
+                <a:ea typeface="Microsoft YaHei UI" panose="020B0503020204020204" pitchFamily="34" charset="-122"/>
+              </a:rPr>
+              <a:t>10</a:t>
+            </a:r>
+            <a:r>
+              <a:rPr lang="zh-CN" altLang="en-US" dirty="0" smtClean="0">
+                <a:latin typeface="Microsoft YaHei UI" panose="020B0503020204020204" pitchFamily="34" charset="-122"/>
+                <a:ea typeface="Microsoft YaHei UI" panose="020B0503020204020204" pitchFamily="34" charset="-122"/>
+              </a:rPr>
+              <a:t>月</a:t>
+            </a:r>
+            <a:endParaRPr lang="en-US" altLang="zh-CN" dirty="0" smtClean="0">
+              <a:latin typeface="Microsoft YaHei UI" panose="020B0503020204020204" pitchFamily="34" charset="-122"/>
+              <a:ea typeface="Microsoft YaHei UI" panose="020B0503020204020204" pitchFamily="34" charset="-122"/>
+            </a:endParaRPr>
+          </a:p>
+          <a:p>
+            <a:r>
+              <a:rPr lang="en-US" altLang="zh-CN" dirty="0" smtClean="0">
+                <a:latin typeface="Microsoft YaHei UI" panose="020B0503020204020204" pitchFamily="34" charset="-122"/>
+                <a:ea typeface="Microsoft YaHei UI" panose="020B0503020204020204" pitchFamily="34" charset="-122"/>
+              </a:rPr>
+              <a:t>11</a:t>
+            </a:r>
+            <a:r>
+              <a:rPr lang="zh-CN" altLang="en-US" dirty="0" smtClean="0">
+                <a:latin typeface="Microsoft YaHei UI" panose="020B0503020204020204" pitchFamily="34" charset="-122"/>
+                <a:ea typeface="Microsoft YaHei UI" panose="020B0503020204020204" pitchFamily="34" charset="-122"/>
+              </a:rPr>
+              <a:t>月</a:t>
             </a:r>
             <a:endParaRPr lang="en-US" altLang="zh-CN" dirty="0" smtClean="0">
               <a:latin typeface="Microsoft YaHei UI" panose="020B0503020204020204" pitchFamily="34" charset="-122"/>
@@ -7817,7 +7948,7 @@
           <a:p>
             <a:fld id="{24195E5E-6C25-4714-97B9-B375A27E35B9}" type="datetimeFigureOut">
               <a:rPr lang="en-US" smtClean="0"/>
-              <a:t>9/17/2020</a:t>
+              <a:t>9/18/2020</a:t>
             </a:fld>
             <a:endParaRPr lang="en-US"/>
           </a:p>
@@ -18271,8 +18402,8 @@
         </p:nvSpPr>
         <p:spPr>
           <a:xfrm>
-            <a:off x="406266" y="1852683"/>
-            <a:ext cx="6992936" cy="4579339"/>
+            <a:off x="360000" y="1369211"/>
+            <a:ext cx="8112092" cy="4579339"/>
           </a:xfrm>
         </p:spPr>
         <p:txBody>
@@ -18291,7 +18422,11 @@
             </a:r>
             <a:r>
               <a:rPr lang="zh-CN" altLang="en-US" dirty="0" smtClean="0"/>
-              <a:t>吐槽</a:t>
+              <a:t>吐</a:t>
+            </a:r>
+            <a:r>
+              <a:rPr lang="zh-CN" altLang="en-US" dirty="0" smtClean="0"/>
+              <a:t>槽</a:t>
             </a:r>
             <a:endParaRPr lang="en-US" altLang="zh-CN" dirty="0" smtClean="0"/>
           </a:p>
@@ -18313,7 +18448,7 @@
             </a:pPr>
             <a:r>
               <a:rPr lang="zh-CN" altLang="en-US" dirty="0" smtClean="0"/>
-              <a:t>三只大闸蟹的例子</a:t>
+              <a:t>老虎的例子</a:t>
             </a:r>
             <a:endParaRPr lang="en-US" altLang="zh-CN" dirty="0" smtClean="0"/>
           </a:p>
@@ -18325,12 +18460,31 @@
               <a:buNone/>
             </a:pPr>
             <a:r>
+              <a:rPr lang="zh-CN" altLang="en-US" dirty="0" smtClean="0"/>
+              <a:t>三只大闸蟹的例子</a:t>
+            </a:r>
+            <a:endParaRPr lang="en-US" altLang="zh-CN" dirty="0" smtClean="0"/>
+          </a:p>
+          <a:p>
+            <a:pPr marL="0" indent="0" rtl="0">
+              <a:lnSpc>
+                <a:spcPct val="110000"/>
+              </a:lnSpc>
+              <a:buNone/>
+            </a:pPr>
+            <a:r>
               <a:rPr lang="en-US" altLang="zh-CN" dirty="0"/>
               <a:t>	</a:t>
             </a:r>
             <a:r>
-              <a:rPr lang="zh-CN" altLang="en-US" dirty="0" smtClean="0"/>
-              <a:t> </a:t>
+              <a:rPr lang="en-US" altLang="zh-CN" dirty="0" smtClean="0">
+                <a:solidFill>
+                  <a:schemeClr val="accent1">
+                    <a:lumMod val="75000"/>
+                  </a:schemeClr>
+                </a:solidFill>
+              </a:rPr>
+              <a:t>1</a:t>
             </a:r>
             <a:r>
               <a:rPr lang="zh-CN" altLang="en-US" dirty="0" smtClean="0">
@@ -18340,7 +18494,7 @@
                   </a:schemeClr>
                 </a:solidFill>
               </a:rPr>
-              <a:t>永强</a:t>
+              <a:t>号</a:t>
             </a:r>
             <a:r>
               <a:rPr lang="zh-CN" altLang="en-US" dirty="0" smtClean="0"/>
@@ -18353,6 +18507,14 @@
             <a:r>
               <a:rPr lang="zh-CN" altLang="en-US" dirty="0" smtClean="0"/>
               <a:t>两公  </a:t>
+            </a:r>
+            <a:r>
+              <a:rPr lang="en-US" altLang="zh-CN" dirty="0" smtClean="0">
+                <a:solidFill>
+                  <a:srgbClr val="FFC000"/>
+                </a:solidFill>
+              </a:rPr>
+              <a:t>2</a:t>
             </a:r>
             <a:r>
               <a:rPr lang="zh-CN" altLang="en-US" dirty="0" smtClean="0">
@@ -18360,7 +18522,7 @@
                   <a:srgbClr val="FFC000"/>
                 </a:solidFill>
               </a:rPr>
-              <a:t>小芳</a:t>
+              <a:t>号</a:t>
             </a:r>
             <a:r>
               <a:rPr lang="zh-CN" altLang="en-US" dirty="0" smtClean="0"/>
@@ -18373,6 +18535,14 @@
             <a:r>
               <a:rPr lang="zh-CN" altLang="en-US" dirty="0" smtClean="0"/>
               <a:t>两母  </a:t>
+            </a:r>
+            <a:r>
+              <a:rPr lang="en-US" altLang="zh-CN" dirty="0" smtClean="0">
+                <a:solidFill>
+                  <a:srgbClr val="FF0000"/>
+                </a:solidFill>
+              </a:rPr>
+              <a:t>3</a:t>
             </a:r>
             <a:r>
               <a:rPr lang="zh-CN" altLang="en-US" dirty="0" smtClean="0">
@@ -18380,7 +18550,7 @@
                   <a:srgbClr val="FF0000"/>
                 </a:solidFill>
               </a:rPr>
-              <a:t>小红</a:t>
+              <a:t>号</a:t>
             </a:r>
             <a:r>
               <a:rPr lang="zh-CN" altLang="en-US" dirty="0" smtClean="0"/>
@@ -18392,7 +18562,11 @@
             </a:r>
             <a:r>
               <a:rPr lang="zh-CN" altLang="en-US" dirty="0" smtClean="0"/>
-              <a:t>两母</a:t>
+              <a:t>两</a:t>
+            </a:r>
+            <a:r>
+              <a:rPr lang="zh-CN" altLang="en-US" dirty="0" smtClean="0"/>
+              <a:t>母</a:t>
             </a:r>
             <a:endParaRPr lang="en-US" altLang="zh-CN" dirty="0" smtClean="0"/>
           </a:p>
@@ -18408,6 +18582,10 @@
               <a:t>	</a:t>
             </a:r>
             <a:r>
+              <a:rPr lang="zh-CN" altLang="en-US" dirty="0" smtClean="0"/>
+              <a:t>十月初： </a:t>
+            </a:r>
+            <a:r>
               <a:rPr lang="en-US" altLang="zh-CN" dirty="0" smtClean="0"/>
               <a:t>	</a:t>
             </a:r>
@@ -18419,6 +18597,83 @@
               </a:lnSpc>
               <a:buNone/>
             </a:pPr>
+            <a:r>
+              <a:rPr lang="en-US" altLang="zh-CN" dirty="0" smtClean="0"/>
+              <a:t>		</a:t>
+            </a:r>
+            <a:r>
+              <a:rPr lang="zh-CN" altLang="en-US" dirty="0" smtClean="0"/>
+              <a:t>永强（老乡）： 一号 </a:t>
+            </a:r>
+            <a:r>
+              <a:rPr lang="en-US" altLang="zh-CN" dirty="0" smtClean="0"/>
+              <a:t>9</a:t>
+            </a:r>
+            <a:r>
+              <a:rPr lang="zh-CN" altLang="en-US" dirty="0" smtClean="0"/>
+              <a:t>分 二号 </a:t>
+            </a:r>
+            <a:r>
+              <a:rPr lang="en-US" altLang="zh-CN" dirty="0" smtClean="0"/>
+              <a:t>9.3</a:t>
+            </a:r>
+            <a:r>
+              <a:rPr lang="zh-CN" altLang="en-US" dirty="0" smtClean="0"/>
+              <a:t>分 三号 </a:t>
+            </a:r>
+            <a:r>
+              <a:rPr lang="en-US" altLang="zh-CN" dirty="0" smtClean="0"/>
+              <a:t>9.8</a:t>
+            </a:r>
+            <a:r>
+              <a:rPr lang="zh-CN" altLang="en-US" dirty="0" smtClean="0"/>
+              <a:t>分</a:t>
+            </a:r>
+            <a:endParaRPr lang="en-US" altLang="zh-CN" dirty="0"/>
+          </a:p>
+          <a:p>
+            <a:pPr marL="0" indent="0" rtl="0">
+              <a:lnSpc>
+                <a:spcPct val="110000"/>
+              </a:lnSpc>
+              <a:buNone/>
+            </a:pPr>
+            <a:r>
+              <a:rPr lang="en-US" altLang="zh-CN" dirty="0" smtClean="0"/>
+              <a:t>		Tom</a:t>
+            </a:r>
+            <a:r>
+              <a:rPr lang="zh-CN" altLang="en-US" dirty="0" smtClean="0"/>
+              <a:t>（前辈）： 一号 </a:t>
+            </a:r>
+            <a:r>
+              <a:rPr lang="en-US" altLang="zh-CN" dirty="0" smtClean="0"/>
+              <a:t>6</a:t>
+            </a:r>
+            <a:r>
+              <a:rPr lang="zh-CN" altLang="en-US" dirty="0" smtClean="0"/>
+              <a:t>分 二号 </a:t>
+            </a:r>
+            <a:r>
+              <a:rPr lang="en-US" altLang="zh-CN" dirty="0" smtClean="0"/>
+              <a:t>6</a:t>
+            </a:r>
+            <a:r>
+              <a:rPr lang="en-US" altLang="zh-CN" dirty="0" smtClean="0"/>
+              <a:t>.1</a:t>
+            </a:r>
+            <a:r>
+              <a:rPr lang="zh-CN" altLang="en-US" dirty="0" smtClean="0"/>
+              <a:t>分 三号 </a:t>
+            </a:r>
+            <a:r>
+              <a:rPr lang="en-US" altLang="zh-CN" dirty="0" smtClean="0"/>
+              <a:t>8</a:t>
+            </a:r>
+            <a:r>
+              <a:rPr lang="zh-CN" altLang="en-US" dirty="0" smtClean="0"/>
+              <a:t>分</a:t>
+            </a:r>
             <a:endParaRPr lang="en-US" altLang="zh-CN" dirty="0" smtClean="0"/>
           </a:p>
           <a:p>
@@ -20165,7 +20420,7 @@
         </p:nvSpPr>
         <p:spPr>
           <a:xfrm>
-            <a:off x="7639402" y="0"/>
+            <a:off x="4480909" y="281644"/>
             <a:ext cx="3990623" cy="1049739"/>
           </a:xfrm>
         </p:spPr>
@@ -20178,6 +20433,17 @@
             <a:r>
               <a:rPr lang="zh-CN" altLang="en-US" dirty="0" smtClean="0"/>
               <a:t>监督学习</a:t>
+            </a:r>
+            <a:r>
+              <a:rPr lang="en-US" altLang="zh-CN" dirty="0" smtClean="0"/>
+              <a:t/>
+            </a:r>
+            <a:br>
+              <a:rPr lang="en-US" altLang="zh-CN" dirty="0" smtClean="0"/>
+            </a:br>
+            <a:r>
+              <a:rPr lang="zh-CN" altLang="en-US" dirty="0" smtClean="0"/>
+              <a:t>有标签学习</a:t>
             </a:r>
             <a:endParaRPr lang="en-US" dirty="0"/>
           </a:p>
@@ -20366,7 +20632,7 @@
             <a:avLst/>
           </a:prstGeom>
           <a:solidFill>
-            <a:schemeClr val="accent2"/>
+            <a:srgbClr val="FFC000"/>
           </a:solidFill>
         </p:spPr>
         <p:style>
@@ -20538,7 +20804,7 @@
             <a:avLst/>
           </a:prstGeom>
           <a:solidFill>
-            <a:schemeClr val="accent2"/>
+            <a:srgbClr val="FFC000"/>
           </a:solidFill>
         </p:spPr>
         <p:style>
@@ -20715,7 +20981,7 @@
             <a:avLst/>
           </a:prstGeom>
           <a:solidFill>
-            <a:schemeClr val="accent2"/>
+            <a:srgbClr val="FFC000"/>
           </a:solidFill>
         </p:spPr>
         <p:style>
@@ -20955,6 +21221,41 @@
           </a:fontRef>
         </p:style>
       </p:cxnSp>
+      <p:pic>
+        <p:nvPicPr>
+          <p:cNvPr id="24" name="图片占位符 10" descr="书桌上三本书堆放在一起">
+            <a:extLst>
+              <a:ext uri="{FF2B5EF4-FFF2-40B4-BE49-F238E27FC236}">
+                <a16:creationId xmlns:a16="http://schemas.microsoft.com/office/drawing/2014/main" id="{460EECBB-989F-48EA-AA88-7967BCA18E26}"/>
+              </a:ext>
+            </a:extLst>
+          </p:cNvPr>
+          <p:cNvPicPr>
+            <a:picLocks noChangeAspect="1"/>
+          </p:cNvPicPr>
+          <p:nvPr/>
+        </p:nvPicPr>
+        <p:blipFill rotWithShape="1">
+          <a:blip r:embed="rId3" cstate="screen">
+            <a:extLst>
+              <a:ext uri="{28A0092B-C50C-407E-A947-70E740481C1C}">
+                <a14:useLocalDpi xmlns:a14="http://schemas.microsoft.com/office/drawing/2010/main"/>
+              </a:ext>
+            </a:extLst>
+          </a:blip>
+          <a:srcRect/>
+          <a:stretch/>
+        </p:blipFill>
+        <p:spPr>
+          <a:xfrm>
+            <a:off x="7804150" y="1"/>
+            <a:ext cx="4387850" cy="6679488"/>
+          </a:xfrm>
+          <a:prstGeom prst="rect">
+            <a:avLst/>
+          </a:prstGeom>
+        </p:spPr>
+      </p:pic>
     </p:spTree>
     <p:extLst>
       <p:ext uri="{BB962C8B-B14F-4D97-AF65-F5344CB8AC3E}">
@@ -21264,26 +21565,35 @@
                                   </p:childTnLst>
                                 </p:cTn>
                               </p:par>
-                            </p:childTnLst>
-                          </p:cTn>
-                        </p:par>
-                      </p:childTnLst>
-                    </p:cTn>
-                  </p:par>
-                  <p:par>
-                    <p:cTn id="27" fill="hold">
-                      <p:stCondLst>
-                        <p:cond delay="indefinite"/>
-                      </p:stCondLst>
-                      <p:childTnLst>
-                        <p:par>
-                          <p:cTn id="28" fill="hold">
-                            <p:stCondLst>
-                              <p:cond delay="0"/>
-                            </p:stCondLst>
-                            <p:childTnLst>
                               <p:par>
-                                <p:cTn id="29" presetID="1" presetClass="entr" presetSubtype="0" fill="hold" nodeType="clickEffect">
+                                <p:cTn id="27" presetID="1" presetClass="entr" presetSubtype="0" fill="hold" nodeType="withEffect">
+                                  <p:stCondLst>
+                                    <p:cond delay="0"/>
+                                  </p:stCondLst>
+                                  <p:childTnLst>
+                                    <p:set>
+                                      <p:cBhvr>
+                                        <p:cTn id="28" dur="1" fill="hold">
+                                          <p:stCondLst>
+                                            <p:cond delay="0"/>
+                                          </p:stCondLst>
+                                        </p:cTn>
+                                        <p:tgtEl>
+                                          <p:spTgt spid="29"/>
+                                        </p:tgtEl>
+                                        <p:attrNameLst>
+                                          <p:attrName>style.visibility</p:attrName>
+                                        </p:attrNameLst>
+                                      </p:cBhvr>
+                                      <p:to>
+                                        <p:strVal val="visible"/>
+                                      </p:to>
+                                    </p:set>
+                                  </p:childTnLst>
+                                </p:cTn>
+                              </p:par>
+                              <p:par>
+                                <p:cTn id="29" presetID="1" presetClass="entr" presetSubtype="0" fill="hold" nodeType="withEffect">
                                   <p:stCondLst>
                                     <p:cond delay="0"/>
                                   </p:stCondLst>
@@ -21296,7 +21606,7 @@
                                           </p:stCondLst>
                                         </p:cTn>
                                         <p:tgtEl>
-                                          <p:spTgt spid="29"/>
+                                          <p:spTgt spid="31"/>
                                         </p:tgtEl>
                                         <p:attrNameLst>
                                           <p:attrName>style.visibility</p:attrName>
@@ -21328,7 +21638,7 @@
                             </p:stCondLst>
                             <p:childTnLst>
                               <p:par>
-                                <p:cTn id="33" presetID="1" presetClass="entr" presetSubtype="0" fill="hold" nodeType="clickEffect">
+                                <p:cTn id="33" presetID="1" presetClass="entr" presetSubtype="0" fill="hold" grpId="0" nodeType="clickEffect">
                                   <p:stCondLst>
                                     <p:cond delay="0"/>
                                   </p:stCondLst>
@@ -21341,7 +21651,34 @@
                                           </p:stCondLst>
                                         </p:cTn>
                                         <p:tgtEl>
-                                          <p:spTgt spid="31"/>
+                                          <p:spTgt spid="41"/>
+                                        </p:tgtEl>
+                                        <p:attrNameLst>
+                                          <p:attrName>style.visibility</p:attrName>
+                                        </p:attrNameLst>
+                                      </p:cBhvr>
+                                      <p:to>
+                                        <p:strVal val="visible"/>
+                                      </p:to>
+                                    </p:set>
+                                  </p:childTnLst>
+                                </p:cTn>
+                              </p:par>
+                              <p:par>
+                                <p:cTn id="35" presetID="1" presetClass="entr" presetSubtype="0" fill="hold" nodeType="withEffect">
+                                  <p:stCondLst>
+                                    <p:cond delay="0"/>
+                                  </p:stCondLst>
+                                  <p:childTnLst>
+                                    <p:set>
+                                      <p:cBhvr>
+                                        <p:cTn id="36" dur="1" fill="hold">
+                                          <p:stCondLst>
+                                            <p:cond delay="0"/>
+                                          </p:stCondLst>
+                                        </p:cTn>
+                                        <p:tgtEl>
+                                          <p:spTgt spid="47"/>
                                         </p:tgtEl>
                                         <p:attrNameLst>
                                           <p:attrName>style.visibility</p:attrName>
@@ -21361,28 +21698,360 @@
                     </p:cTn>
                   </p:par>
                   <p:par>
-                    <p:cTn id="35" fill="hold">
+                    <p:cTn id="37" fill="hold">
                       <p:stCondLst>
                         <p:cond delay="indefinite"/>
                       </p:stCondLst>
                       <p:childTnLst>
                         <p:par>
-                          <p:cTn id="36" fill="hold">
+                          <p:cTn id="38" fill="hold">
                             <p:stCondLst>
                               <p:cond delay="0"/>
                             </p:stCondLst>
                             <p:childTnLst>
                               <p:par>
-                                <p:cTn id="37" presetID="1" presetClass="entr" presetSubtype="0" fill="hold" grpId="0" nodeType="clickEffect">
+                                <p:cTn id="39" presetID="10" presetClass="exit" presetSubtype="0" fill="hold" nodeType="clickEffect">
                                   <p:stCondLst>
                                     <p:cond delay="0"/>
                                   </p:stCondLst>
                                   <p:childTnLst>
+                                    <p:animEffect transition="out" filter="fade">
+                                      <p:cBhvr>
+                                        <p:cTn id="40" dur="500"/>
+                                        <p:tgtEl>
+                                          <p:spTgt spid="21"/>
+                                        </p:tgtEl>
+                                      </p:cBhvr>
+                                    </p:animEffect>
                                     <p:set>
                                       <p:cBhvr>
-                                        <p:cTn id="38" dur="1" fill="hold">
+                                        <p:cTn id="41" dur="1" fill="hold">
                                           <p:stCondLst>
-                                            <p:cond delay="0"/>
+                                            <p:cond delay="499"/>
+                                          </p:stCondLst>
+                                        </p:cTn>
+                                        <p:tgtEl>
+                                          <p:spTgt spid="21"/>
+                                        </p:tgtEl>
+                                        <p:attrNameLst>
+                                          <p:attrName>style.visibility</p:attrName>
+                                        </p:attrNameLst>
+                                      </p:cBhvr>
+                                      <p:to>
+                                        <p:strVal val="hidden"/>
+                                      </p:to>
+                                    </p:set>
+                                  </p:childTnLst>
+                                </p:cTn>
+                              </p:par>
+                              <p:par>
+                                <p:cTn id="42" presetID="10" presetClass="exit" presetSubtype="0" fill="hold" nodeType="withEffect">
+                                  <p:stCondLst>
+                                    <p:cond delay="0"/>
+                                  </p:stCondLst>
+                                  <p:childTnLst>
+                                    <p:animEffect transition="out" filter="fade">
+                                      <p:cBhvr>
+                                        <p:cTn id="43" dur="500"/>
+                                        <p:tgtEl>
+                                          <p:spTgt spid="25"/>
+                                        </p:tgtEl>
+                                      </p:cBhvr>
+                                    </p:animEffect>
+                                    <p:set>
+                                      <p:cBhvr>
+                                        <p:cTn id="44" dur="1" fill="hold">
+                                          <p:stCondLst>
+                                            <p:cond delay="499"/>
+                                          </p:stCondLst>
+                                        </p:cTn>
+                                        <p:tgtEl>
+                                          <p:spTgt spid="25"/>
+                                        </p:tgtEl>
+                                        <p:attrNameLst>
+                                          <p:attrName>style.visibility</p:attrName>
+                                        </p:attrNameLst>
+                                      </p:cBhvr>
+                                      <p:to>
+                                        <p:strVal val="hidden"/>
+                                      </p:to>
+                                    </p:set>
+                                  </p:childTnLst>
+                                </p:cTn>
+                              </p:par>
+                              <p:par>
+                                <p:cTn id="45" presetID="10" presetClass="exit" presetSubtype="0" fill="hold" grpId="1" nodeType="withEffect">
+                                  <p:stCondLst>
+                                    <p:cond delay="0"/>
+                                  </p:stCondLst>
+                                  <p:childTnLst>
+                                    <p:animEffect transition="out" filter="fade">
+                                      <p:cBhvr>
+                                        <p:cTn id="46" dur="500"/>
+                                        <p:tgtEl>
+                                          <p:spTgt spid="22"/>
+                                        </p:tgtEl>
+                                      </p:cBhvr>
+                                    </p:animEffect>
+                                    <p:set>
+                                      <p:cBhvr>
+                                        <p:cTn id="47" dur="1" fill="hold">
+                                          <p:stCondLst>
+                                            <p:cond delay="499"/>
+                                          </p:stCondLst>
+                                        </p:cTn>
+                                        <p:tgtEl>
+                                          <p:spTgt spid="22"/>
+                                        </p:tgtEl>
+                                        <p:attrNameLst>
+                                          <p:attrName>style.visibility</p:attrName>
+                                        </p:attrNameLst>
+                                      </p:cBhvr>
+                                      <p:to>
+                                        <p:strVal val="hidden"/>
+                                      </p:to>
+                                    </p:set>
+                                  </p:childTnLst>
+                                </p:cTn>
+                              </p:par>
+                              <p:par>
+                                <p:cTn id="48" presetID="10" presetClass="exit" presetSubtype="0" fill="hold" nodeType="withEffect">
+                                  <p:stCondLst>
+                                    <p:cond delay="0"/>
+                                  </p:stCondLst>
+                                  <p:childTnLst>
+                                    <p:animEffect transition="out" filter="fade">
+                                      <p:cBhvr>
+                                        <p:cTn id="49" dur="500"/>
+                                        <p:tgtEl>
+                                          <p:spTgt spid="21"/>
+                                        </p:tgtEl>
+                                      </p:cBhvr>
+                                    </p:animEffect>
+                                    <p:set>
+                                      <p:cBhvr>
+                                        <p:cTn id="50" dur="1" fill="hold">
+                                          <p:stCondLst>
+                                            <p:cond delay="499"/>
+                                          </p:stCondLst>
+                                        </p:cTn>
+                                        <p:tgtEl>
+                                          <p:spTgt spid="21"/>
+                                        </p:tgtEl>
+                                        <p:attrNameLst>
+                                          <p:attrName>style.visibility</p:attrName>
+                                        </p:attrNameLst>
+                                      </p:cBhvr>
+                                      <p:to>
+                                        <p:strVal val="hidden"/>
+                                      </p:to>
+                                    </p:set>
+                                  </p:childTnLst>
+                                </p:cTn>
+                              </p:par>
+                              <p:par>
+                                <p:cTn id="51" presetID="10" presetClass="exit" presetSubtype="0" fill="hold" nodeType="withEffect">
+                                  <p:stCondLst>
+                                    <p:cond delay="0"/>
+                                  </p:stCondLst>
+                                  <p:childTnLst>
+                                    <p:animEffect transition="out" filter="fade">
+                                      <p:cBhvr>
+                                        <p:cTn id="52" dur="500"/>
+                                        <p:tgtEl>
+                                          <p:spTgt spid="31"/>
+                                        </p:tgtEl>
+                                      </p:cBhvr>
+                                    </p:animEffect>
+                                    <p:set>
+                                      <p:cBhvr>
+                                        <p:cTn id="53" dur="1" fill="hold">
+                                          <p:stCondLst>
+                                            <p:cond delay="499"/>
+                                          </p:stCondLst>
+                                        </p:cTn>
+                                        <p:tgtEl>
+                                          <p:spTgt spid="31"/>
+                                        </p:tgtEl>
+                                        <p:attrNameLst>
+                                          <p:attrName>style.visibility</p:attrName>
+                                        </p:attrNameLst>
+                                      </p:cBhvr>
+                                      <p:to>
+                                        <p:strVal val="hidden"/>
+                                      </p:to>
+                                    </p:set>
+                                  </p:childTnLst>
+                                </p:cTn>
+                              </p:par>
+                              <p:par>
+                                <p:cTn id="54" presetID="10" presetClass="exit" presetSubtype="0" fill="hold" grpId="0" nodeType="withEffect">
+                                  <p:stCondLst>
+                                    <p:cond delay="0"/>
+                                  </p:stCondLst>
+                                  <p:childTnLst>
+                                    <p:animEffect transition="out" filter="fade">
+                                      <p:cBhvr>
+                                        <p:cTn id="55" dur="500"/>
+                                        <p:tgtEl>
+                                          <p:spTgt spid="7"/>
+                                        </p:tgtEl>
+                                      </p:cBhvr>
+                                    </p:animEffect>
+                                    <p:set>
+                                      <p:cBhvr>
+                                        <p:cTn id="56" dur="1" fill="hold">
+                                          <p:stCondLst>
+                                            <p:cond delay="499"/>
+                                          </p:stCondLst>
+                                        </p:cTn>
+                                        <p:tgtEl>
+                                          <p:spTgt spid="7"/>
+                                        </p:tgtEl>
+                                        <p:attrNameLst>
+                                          <p:attrName>style.visibility</p:attrName>
+                                        </p:attrNameLst>
+                                      </p:cBhvr>
+                                      <p:to>
+                                        <p:strVal val="hidden"/>
+                                      </p:to>
+                                    </p:set>
+                                  </p:childTnLst>
+                                </p:cTn>
+                              </p:par>
+                              <p:par>
+                                <p:cTn id="57" presetID="10" presetClass="exit" presetSubtype="0" fill="hold" nodeType="withEffect">
+                                  <p:stCondLst>
+                                    <p:cond delay="0"/>
+                                  </p:stCondLst>
+                                  <p:childTnLst>
+                                    <p:animEffect transition="out" filter="fade">
+                                      <p:cBhvr>
+                                        <p:cTn id="58" dur="500"/>
+                                        <p:tgtEl>
+                                          <p:spTgt spid="38"/>
+                                        </p:tgtEl>
+                                      </p:cBhvr>
+                                    </p:animEffect>
+                                    <p:set>
+                                      <p:cBhvr>
+                                        <p:cTn id="59" dur="1" fill="hold">
+                                          <p:stCondLst>
+                                            <p:cond delay="499"/>
+                                          </p:stCondLst>
+                                        </p:cTn>
+                                        <p:tgtEl>
+                                          <p:spTgt spid="38"/>
+                                        </p:tgtEl>
+                                        <p:attrNameLst>
+                                          <p:attrName>style.visibility</p:attrName>
+                                        </p:attrNameLst>
+                                      </p:cBhvr>
+                                      <p:to>
+                                        <p:strVal val="hidden"/>
+                                      </p:to>
+                                    </p:set>
+                                  </p:childTnLst>
+                                </p:cTn>
+                              </p:par>
+                            </p:childTnLst>
+                          </p:cTn>
+                        </p:par>
+                        <p:par>
+                          <p:cTn id="60" fill="hold">
+                            <p:stCondLst>
+                              <p:cond delay="500"/>
+                            </p:stCondLst>
+                            <p:childTnLst>
+                              <p:par>
+                                <p:cTn id="61" presetID="10" presetClass="exit" presetSubtype="0" fill="hold" grpId="1" nodeType="afterEffect">
+                                  <p:stCondLst>
+                                    <p:cond delay="0"/>
+                                  </p:stCondLst>
+                                  <p:childTnLst>
+                                    <p:animEffect transition="out" filter="fade">
+                                      <p:cBhvr>
+                                        <p:cTn id="62" dur="500"/>
+                                        <p:tgtEl>
+                                          <p:spTgt spid="28"/>
+                                        </p:tgtEl>
+                                      </p:cBhvr>
+                                    </p:animEffect>
+                                    <p:set>
+                                      <p:cBhvr>
+                                        <p:cTn id="63" dur="1" fill="hold">
+                                          <p:stCondLst>
+                                            <p:cond delay="499"/>
+                                          </p:stCondLst>
+                                        </p:cTn>
+                                        <p:tgtEl>
+                                          <p:spTgt spid="28"/>
+                                        </p:tgtEl>
+                                        <p:attrNameLst>
+                                          <p:attrName>style.visibility</p:attrName>
+                                        </p:attrNameLst>
+                                      </p:cBhvr>
+                                      <p:to>
+                                        <p:strVal val="hidden"/>
+                                      </p:to>
+                                    </p:set>
+                                  </p:childTnLst>
+                                </p:cTn>
+                              </p:par>
+                              <p:par>
+                                <p:cTn id="64" presetID="10" presetClass="exit" presetSubtype="0" fill="hold" nodeType="withEffect">
+                                  <p:stCondLst>
+                                    <p:cond delay="0"/>
+                                  </p:stCondLst>
+                                  <p:childTnLst>
+                                    <p:animEffect transition="out" filter="fade">
+                                      <p:cBhvr>
+                                        <p:cTn id="65" dur="500"/>
+                                        <p:tgtEl>
+                                          <p:spTgt spid="29"/>
+                                        </p:tgtEl>
+                                      </p:cBhvr>
+                                    </p:animEffect>
+                                    <p:set>
+                                      <p:cBhvr>
+                                        <p:cTn id="66" dur="1" fill="hold">
+                                          <p:stCondLst>
+                                            <p:cond delay="499"/>
+                                          </p:stCondLst>
+                                        </p:cTn>
+                                        <p:tgtEl>
+                                          <p:spTgt spid="29"/>
+                                        </p:tgtEl>
+                                        <p:attrNameLst>
+                                          <p:attrName>style.visibility</p:attrName>
+                                        </p:attrNameLst>
+                                      </p:cBhvr>
+                                      <p:to>
+                                        <p:strVal val="hidden"/>
+                                      </p:to>
+                                    </p:set>
+                                  </p:childTnLst>
+                                </p:cTn>
+                              </p:par>
+                              <p:par>
+                                <p:cTn id="67" presetID="10" presetClass="exit" presetSubtype="0" fill="hold" grpId="1" nodeType="withEffect">
+                                  <p:stCondLst>
+                                    <p:cond delay="0"/>
+                                  </p:stCondLst>
+                                  <p:childTnLst>
+                                    <p:animEffect transition="out" filter="fade">
+                                      <p:cBhvr>
+                                        <p:cTn id="68" dur="500"/>
+                                        <p:tgtEl>
+                                          <p:spTgt spid="41"/>
+                                        </p:tgtEl>
+                                      </p:cBhvr>
+                                    </p:animEffect>
+                                    <p:set>
+                                      <p:cBhvr>
+                                        <p:cTn id="69" dur="1" fill="hold">
+                                          <p:stCondLst>
+                                            <p:cond delay="499"/>
                                           </p:stCondLst>
                                         </p:cTn>
                                         <p:tgtEl>
@@ -21393,23 +22062,31 @@
                                         </p:attrNameLst>
                                       </p:cBhvr>
                                       <p:to>
-                                        <p:strVal val="visible"/>
+                                        <p:strVal val="hidden"/>
                                       </p:to>
                                     </p:set>
                                   </p:childTnLst>
                                 </p:cTn>
                               </p:par>
                               <p:par>
-                                <p:cTn id="39" presetID="1" presetClass="entr" presetSubtype="0" fill="hold" nodeType="withEffect">
+                                <p:cTn id="70" presetID="10" presetClass="exit" presetSubtype="0" fill="hold" nodeType="withEffect">
                                   <p:stCondLst>
                                     <p:cond delay="0"/>
                                   </p:stCondLst>
                                   <p:childTnLst>
+                                    <p:animEffect transition="out" filter="fade">
+                                      <p:cBhvr>
+                                        <p:cTn id="71" dur="500"/>
+                                        <p:tgtEl>
+                                          <p:spTgt spid="47"/>
+                                        </p:tgtEl>
+                                      </p:cBhvr>
+                                    </p:animEffect>
                                     <p:set>
                                       <p:cBhvr>
-                                        <p:cTn id="40" dur="1" fill="hold">
+                                        <p:cTn id="72" dur="1" fill="hold">
                                           <p:stCondLst>
-                                            <p:cond delay="0"/>
+                                            <p:cond delay="499"/>
                                           </p:stCondLst>
                                         </p:cTn>
                                         <p:tgtEl>
@@ -21420,61 +22097,42 @@
                                         </p:attrNameLst>
                                       </p:cBhvr>
                                       <p:to>
-                                        <p:strVal val="visible"/>
+                                        <p:strVal val="hidden"/>
                                       </p:to>
                                     </p:set>
                                   </p:childTnLst>
                                 </p:cTn>
                               </p:par>
                               <p:par>
-                                <p:cTn id="41" presetID="1" presetClass="entr" presetSubtype="0" fill="hold" nodeType="withEffect">
+                                <p:cTn id="73" presetID="10" presetClass="exit" presetSubtype="0" fill="hold" nodeType="withEffect">
                                   <p:stCondLst>
                                     <p:cond delay="0"/>
                                   </p:stCondLst>
                                   <p:childTnLst>
+                                    <p:animEffect transition="out" filter="fade">
+                                      <p:cBhvr>
+                                        <p:cTn id="74" dur="500"/>
+                                        <p:tgtEl>
+                                          <p:spTgt spid="33"/>
+                                        </p:tgtEl>
+                                      </p:cBhvr>
+                                    </p:animEffect>
                                     <p:set>
                                       <p:cBhvr>
-                                        <p:cTn id="42" dur="1" fill="hold">
+                                        <p:cTn id="75" dur="1" fill="hold">
                                           <p:stCondLst>
-                                            <p:cond delay="0"/>
+                                            <p:cond delay="499"/>
                                           </p:stCondLst>
                                         </p:cTn>
                                         <p:tgtEl>
-                                          <p:spTgt spid="38"/>
+                                          <p:spTgt spid="33"/>
                                         </p:tgtEl>
                                         <p:attrNameLst>
                                           <p:attrName>style.visibility</p:attrName>
                                         </p:attrNameLst>
                                       </p:cBhvr>
                                       <p:to>
-                                        <p:strVal val="visible"/>
-                                      </p:to>
-                                    </p:set>
-                                  </p:childTnLst>
-                                </p:cTn>
-                              </p:par>
-                              <p:par>
-                                <p:cTn id="43" presetID="1" presetClass="entr" presetSubtype="0" fill="hold" nodeType="withEffect">
-                                  <p:stCondLst>
-                                    <p:cond delay="0"/>
-                                  </p:stCondLst>
-                                  <p:childTnLst>
-                                    <p:set>
-                                      <p:cBhvr>
-                                        <p:cTn id="44" dur="1" fill="hold">
-                                          <p:stCondLst>
-                                            <p:cond delay="0"/>
-                                          </p:stCondLst>
-                                        </p:cTn>
-                                        <p:tgtEl>
-                                          <p:spTgt spid="43"/>
-                                        </p:tgtEl>
-                                        <p:attrNameLst>
-                                          <p:attrName>style.visibility</p:attrName>
-                                        </p:attrNameLst>
-                                      </p:cBhvr>
-                                      <p:to>
-                                        <p:strVal val="visible"/>
+                                        <p:strVal val="hidden"/>
                                       </p:to>
                                     </p:set>
                                   </p:childTnLst>
@@ -21508,11 +22166,15 @@
       </p:par>
     </p:tnLst>
     <p:bldLst>
+      <p:bldP spid="7" grpId="0" animBg="1"/>
       <p:bldP spid="13" grpId="0" animBg="1"/>
       <p:bldP spid="14" grpId="0" animBg="1"/>
       <p:bldP spid="22" grpId="0" animBg="1"/>
+      <p:bldP spid="22" grpId="1" animBg="1"/>
       <p:bldP spid="28" grpId="0" animBg="1"/>
+      <p:bldP spid="28" grpId="1" animBg="1"/>
       <p:bldP spid="41" grpId="0" animBg="1"/>
+      <p:bldP spid="41" grpId="1" animBg="1"/>
     </p:bldLst>
   </p:timing>
 </p:sld>
@@ -23660,6 +24322,13 @@
   <p:clrMapOvr>
     <a:masterClrMapping/>
   </p:clrMapOvr>
+  <p:timing>
+    <p:tnLst>
+      <p:par>
+        <p:cTn id="1" dur="indefinite" restart="never" nodeType="tmRoot"/>
+      </p:par>
+    </p:tnLst>
+  </p:timing>
 </p:sld>
 </file>
 
